--- a/PR2020-21_vmesna_PR21_ZKK_MM_LR_MK.pptx
+++ b/PR2020-21_vmesna_PR21_ZKK_MM_LR_MK.pptx
@@ -4058,55 +4058,17 @@
           </a:p>
           <a:p>
             <a:r>
-              <a:rPr lang="en-US" dirty="0" err="1"/>
-              <a:t>Ime</a:t>
-            </a:r>
-            <a:r>
-              <a:rPr lang="en-US" dirty="0"/>
-              <a:t> </a:t>
-            </a:r>
-            <a:r>
-              <a:rPr lang="en-US" dirty="0" err="1"/>
-              <a:t>Priimek</a:t>
-            </a:r>
-            <a:r>
-              <a:rPr lang="en-US" dirty="0"/>
-              <a:t> </a:t>
-            </a:r>
-            <a:r>
-              <a:rPr lang="en-US" dirty="0" err="1"/>
-              <a:t>člana</a:t>
-            </a:r>
-            <a:r>
-              <a:rPr lang="en-US" dirty="0"/>
-              <a:t> 2</a:t>
-            </a:r>
-          </a:p>
-          <a:p>
-            <a:r>
-              <a:rPr lang="en-US" dirty="0" err="1"/>
-              <a:t>Ime</a:t>
-            </a:r>
-            <a:r>
-              <a:rPr lang="en-US" dirty="0"/>
-              <a:t> </a:t>
-            </a:r>
-            <a:r>
-              <a:rPr lang="en-US" dirty="0" err="1"/>
-              <a:t>Priimek</a:t>
-            </a:r>
-            <a:r>
-              <a:rPr lang="en-US" dirty="0"/>
-              <a:t> </a:t>
-            </a:r>
-            <a:r>
-              <a:rPr lang="en-US" dirty="0" err="1"/>
-              <a:t>člana</a:t>
-            </a:r>
-            <a:r>
-              <a:rPr lang="en-US" dirty="0"/>
-              <a:t> 3</a:t>
-            </a:r>
+              <a:rPr lang="sl-SI" dirty="0"/>
+              <a:t>Luka Rus</a:t>
+            </a:r>
+            <a:endParaRPr lang="en-US" dirty="0"/>
+          </a:p>
+          <a:p>
+            <a:r>
+              <a:rPr lang="sl-SI"/>
+              <a:t>Miha Markočič</a:t>
+            </a:r>
+            <a:endParaRPr lang="en-US" dirty="0"/>
           </a:p>
           <a:p>
             <a:r>
